--- a/Sugestão de Cidades pelo Índice de Criminalidade.pptx
+++ b/Sugestão de Cidades pelo Índice de Criminalidade.pptx
@@ -17,10 +17,11 @@
     <p:sldId id="265" r:id="rId11"/>
     <p:sldId id="266" r:id="rId12"/>
     <p:sldId id="268" r:id="rId13"/>
-    <p:sldId id="267" r:id="rId14"/>
-    <p:sldId id="269" r:id="rId15"/>
-    <p:sldId id="270" r:id="rId16"/>
-    <p:sldId id="271" r:id="rId17"/>
+    <p:sldId id="272" r:id="rId14"/>
+    <p:sldId id="267" r:id="rId15"/>
+    <p:sldId id="269" r:id="rId16"/>
+    <p:sldId id="270" r:id="rId17"/>
+    <p:sldId id="271" r:id="rId18"/>
   </p:sldIdLst>
   <p:sldSz cx="12192000" cy="6858000"/>
   <p:notesSz cx="6858000" cy="9144000"/>
@@ -119,7 +120,135 @@
       </a:defRPr>
     </a:lvl9pPr>
   </p:defaultTextStyle>
+  <p:extLst>
+    <p:ext uri="{EFAFB233-063F-42B5-8137-9DF3F51BA10A}">
+      <p15:sldGuideLst xmlns:p15="http://schemas.microsoft.com/office/powerpoint/2012/main"/>
+    </p:ext>
+  </p:extLst>
 </p:presentation>
+</file>
+
+<file path=ppt/revisionInfo.xml><?xml version="1.0" encoding="utf-8"?>
+<p1510:revInfo xmlns:a="http://schemas.openxmlformats.org/drawingml/2006/main" xmlns:r="http://schemas.openxmlformats.org/officeDocument/2006/relationships" xmlns:p1510="http://schemas.microsoft.com/office/powerpoint/2015/10/main">
+  <p1510:revLst>
+    <p1510:client id="{34EF0CD2-5347-4F39-A621-F2199D610AB1}" v="7" dt="2024-06-14T21:34:34.232"/>
+  </p1510:revLst>
+</p1510:revInfo>
+</file>
+
+<file path=ppt/changesInfos/changesInfo1.xml><?xml version="1.0" encoding="utf-8"?>
+<pc:chgInfo xmlns:a="http://schemas.openxmlformats.org/drawingml/2006/main" xmlns:r="http://schemas.openxmlformats.org/officeDocument/2006/relationships" xmlns:ac="http://schemas.microsoft.com/office/drawing/2013/main/command" xmlns:pc="http://schemas.microsoft.com/office/powerpoint/2013/main/command">
+  <pc:docChgLst>
+    <pc:chgData name="Florensa Dimer" userId="8fee019a-5e7b-4b55-a73e-1db6b102fe4a" providerId="ADAL" clId="{34EF0CD2-5347-4F39-A621-F2199D610AB1}"/>
+    <pc:docChg chg="custSel addSld modSld">
+      <pc:chgData name="Florensa Dimer" userId="8fee019a-5e7b-4b55-a73e-1db6b102fe4a" providerId="ADAL" clId="{34EF0CD2-5347-4F39-A621-F2199D610AB1}" dt="2024-06-14T21:34:42.934" v="393" actId="1076"/>
+      <pc:docMkLst>
+        <pc:docMk/>
+      </pc:docMkLst>
+      <pc:sldChg chg="addSp modSp mod">
+        <pc:chgData name="Florensa Dimer" userId="8fee019a-5e7b-4b55-a73e-1db6b102fe4a" providerId="ADAL" clId="{34EF0CD2-5347-4F39-A621-F2199D610AB1}" dt="2024-06-14T21:32:01.984" v="273" actId="27636"/>
+        <pc:sldMkLst>
+          <pc:docMk/>
+          <pc:sldMk cId="2130527967" sldId="268"/>
+        </pc:sldMkLst>
+        <pc:spChg chg="mod">
+          <ac:chgData name="Florensa Dimer" userId="8fee019a-5e7b-4b55-a73e-1db6b102fe4a" providerId="ADAL" clId="{34EF0CD2-5347-4F39-A621-F2199D610AB1}" dt="2024-06-14T21:32:01.984" v="273" actId="27636"/>
+          <ac:spMkLst>
+            <pc:docMk/>
+            <pc:sldMk cId="2130527967" sldId="268"/>
+            <ac:spMk id="3" creationId="{0D2844AA-24A6-AD96-1F0D-33E25470AB2C}"/>
+          </ac:spMkLst>
+        </pc:spChg>
+        <pc:spChg chg="add mod">
+          <ac:chgData name="Florensa Dimer" userId="8fee019a-5e7b-4b55-a73e-1db6b102fe4a" providerId="ADAL" clId="{34EF0CD2-5347-4F39-A621-F2199D610AB1}" dt="2024-06-14T21:31:53.964" v="271" actId="27636"/>
+          <ac:spMkLst>
+            <pc:docMk/>
+            <pc:sldMk cId="2130527967" sldId="268"/>
+            <ac:spMk id="4" creationId="{142C8934-D043-CEC9-DAD7-88A0C6AD35C5}"/>
+          </ac:spMkLst>
+        </pc:spChg>
+      </pc:sldChg>
+      <pc:sldChg chg="addSp delSp modSp mod">
+        <pc:chgData name="Florensa Dimer" userId="8fee019a-5e7b-4b55-a73e-1db6b102fe4a" providerId="ADAL" clId="{34EF0CD2-5347-4F39-A621-F2199D610AB1}" dt="2024-06-14T21:30:32.582" v="240" actId="478"/>
+        <pc:sldMkLst>
+          <pc:docMk/>
+          <pc:sldMk cId="2800263450" sldId="270"/>
+        </pc:sldMkLst>
+        <pc:spChg chg="mod">
+          <ac:chgData name="Florensa Dimer" userId="8fee019a-5e7b-4b55-a73e-1db6b102fe4a" providerId="ADAL" clId="{34EF0CD2-5347-4F39-A621-F2199D610AB1}" dt="2024-06-14T21:18:47.051" v="229" actId="20577"/>
+          <ac:spMkLst>
+            <pc:docMk/>
+            <pc:sldMk cId="2800263450" sldId="270"/>
+            <ac:spMk id="3" creationId="{9183EB76-071A-1545-26FC-3E3497C2C17B}"/>
+          </ac:spMkLst>
+        </pc:spChg>
+        <pc:picChg chg="add mod">
+          <ac:chgData name="Florensa Dimer" userId="8fee019a-5e7b-4b55-a73e-1db6b102fe4a" providerId="ADAL" clId="{34EF0CD2-5347-4F39-A621-F2199D610AB1}" dt="2024-06-14T21:30:26.494" v="237" actId="1076"/>
+          <ac:picMkLst>
+            <pc:docMk/>
+            <pc:sldMk cId="2800263450" sldId="270"/>
+            <ac:picMk id="5" creationId="{9688B61E-EC5D-1BAE-183C-E0D065BDA8B9}"/>
+          </ac:picMkLst>
+        </pc:picChg>
+        <pc:picChg chg="add del mod">
+          <ac:chgData name="Florensa Dimer" userId="8fee019a-5e7b-4b55-a73e-1db6b102fe4a" providerId="ADAL" clId="{34EF0CD2-5347-4F39-A621-F2199D610AB1}" dt="2024-06-14T21:30:32.582" v="240" actId="478"/>
+          <ac:picMkLst>
+            <pc:docMk/>
+            <pc:sldMk cId="2800263450" sldId="270"/>
+            <ac:picMk id="7" creationId="{4593AE3D-9418-B585-279C-FF37FC40B9B7}"/>
+          </ac:picMkLst>
+        </pc:picChg>
+      </pc:sldChg>
+      <pc:sldChg chg="addSp delSp modSp new mod">
+        <pc:chgData name="Florensa Dimer" userId="8fee019a-5e7b-4b55-a73e-1db6b102fe4a" providerId="ADAL" clId="{34EF0CD2-5347-4F39-A621-F2199D610AB1}" dt="2024-06-14T21:34:42.934" v="393" actId="1076"/>
+        <pc:sldMkLst>
+          <pc:docMk/>
+          <pc:sldMk cId="1619285014" sldId="272"/>
+        </pc:sldMkLst>
+        <pc:spChg chg="mod">
+          <ac:chgData name="Florensa Dimer" userId="8fee019a-5e7b-4b55-a73e-1db6b102fe4a" providerId="ADAL" clId="{34EF0CD2-5347-4F39-A621-F2199D610AB1}" dt="2024-06-14T21:32:32.071" v="281" actId="20577"/>
+          <ac:spMkLst>
+            <pc:docMk/>
+            <pc:sldMk cId="1619285014" sldId="272"/>
+            <ac:spMk id="2" creationId="{D2233771-3B0E-CA19-8202-FB6FCDDC5936}"/>
+          </ac:spMkLst>
+        </pc:spChg>
+        <pc:spChg chg="del">
+          <ac:chgData name="Florensa Dimer" userId="8fee019a-5e7b-4b55-a73e-1db6b102fe4a" providerId="ADAL" clId="{34EF0CD2-5347-4F39-A621-F2199D610AB1}" dt="2024-06-14T21:31:05.468" v="259" actId="22"/>
+          <ac:spMkLst>
+            <pc:docMk/>
+            <pc:sldMk cId="1619285014" sldId="272"/>
+            <ac:spMk id="3" creationId="{8ECCBF05-2C37-16F5-1D32-B49E376FFA19}"/>
+          </ac:spMkLst>
+        </pc:spChg>
+        <pc:spChg chg="add mod">
+          <ac:chgData name="Florensa Dimer" userId="8fee019a-5e7b-4b55-a73e-1db6b102fe4a" providerId="ADAL" clId="{34EF0CD2-5347-4F39-A621-F2199D610AB1}" dt="2024-06-14T21:32:47.163" v="285" actId="5793"/>
+          <ac:spMkLst>
+            <pc:docMk/>
+            <pc:sldMk cId="1619285014" sldId="272"/>
+            <ac:spMk id="6" creationId="{FBE5C591-ED19-8B3F-6E13-65A583B35927}"/>
+          </ac:spMkLst>
+        </pc:spChg>
+        <pc:spChg chg="add mod">
+          <ac:chgData name="Florensa Dimer" userId="8fee019a-5e7b-4b55-a73e-1db6b102fe4a" providerId="ADAL" clId="{34EF0CD2-5347-4F39-A621-F2199D610AB1}" dt="2024-06-14T21:34:29.286" v="392" actId="6549"/>
+          <ac:spMkLst>
+            <pc:docMk/>
+            <pc:sldMk cId="1619285014" sldId="272"/>
+            <ac:spMk id="7" creationId="{23788CFA-A9B1-5125-72CA-73A38972CA3B}"/>
+          </ac:spMkLst>
+        </pc:spChg>
+        <pc:picChg chg="add mod ord">
+          <ac:chgData name="Florensa Dimer" userId="8fee019a-5e7b-4b55-a73e-1db6b102fe4a" providerId="ADAL" clId="{34EF0CD2-5347-4F39-A621-F2199D610AB1}" dt="2024-06-14T21:34:42.934" v="393" actId="1076"/>
+          <ac:picMkLst>
+            <pc:docMk/>
+            <pc:sldMk cId="1619285014" sldId="272"/>
+            <ac:picMk id="5" creationId="{796D1835-05F0-F3DC-8935-ADB41A87BACE}"/>
+          </ac:picMkLst>
+        </pc:picChg>
+      </pc:sldChg>
+    </pc:docChg>
+  </pc:docChgLst>
+</pc:chgInfo>
 </file>
 
 <file path=ppt/slideLayouts/slideLayout1.xml><?xml version="1.0" encoding="utf-8"?>
@@ -3906,29 +4035,21 @@
             <p:ph idx="1"/>
           </p:nvPr>
         </p:nvSpPr>
-        <p:spPr/>
-        <p:txBody>
-          <a:bodyPr/>
+        <p:spPr>
+          <a:xfrm>
+            <a:off x="838200" y="1825625"/>
+            <a:ext cx="10515600" cy="964526"/>
+          </a:xfrm>
+        </p:spPr>
+        <p:txBody>
+          <a:bodyPr>
+            <a:normAutofit/>
+          </a:bodyPr>
           <a:lstStyle/>
           <a:p>
             <a:r>
               <a:rPr lang="pt-BR" dirty="0"/>
               <a:t>A primeira fonte de dados é uma descrição de vários itens em termos de atributos centrados no conteúdo. </a:t>
-            </a:r>
-          </a:p>
-          <a:p>
-            <a:endParaRPr lang="pt-BR" dirty="0"/>
-          </a:p>
-          <a:p>
-            <a:endParaRPr lang="pt-BR" dirty="0"/>
-          </a:p>
-          <a:p>
-            <a:endParaRPr lang="pt-BR" dirty="0"/>
-          </a:p>
-          <a:p>
-            <a:r>
-              <a:rPr lang="pt-BR" dirty="0"/>
-              <a:t>A segunda fonte de dados é um perfil de usuário, gerado a partir do feedback do usuário sobre vários itens.</a:t>
             </a:r>
           </a:p>
           <a:p>
@@ -3996,6 +4117,208 @@
           </a:prstGeom>
         </p:spPr>
       </p:pic>
+      <p:sp>
+        <p:nvSpPr>
+          <p:cNvPr id="4" name="Espaço Reservado para Conteúdo 2">
+            <a:extLst>
+              <a:ext uri="{FF2B5EF4-FFF2-40B4-BE49-F238E27FC236}">
+                <a16:creationId xmlns:a16="http://schemas.microsoft.com/office/drawing/2014/main" id="{142C8934-D043-CEC9-DAD7-88A0C6AD35C5}"/>
+              </a:ext>
+            </a:extLst>
+          </p:cNvPr>
+          <p:cNvSpPr txBox="1">
+            <a:spLocks/>
+          </p:cNvSpPr>
+          <p:nvPr/>
+        </p:nvSpPr>
+        <p:spPr>
+          <a:xfrm>
+            <a:off x="838200" y="4219024"/>
+            <a:ext cx="10515600" cy="964526"/>
+          </a:xfrm>
+          <a:prstGeom prst="rect">
+            <a:avLst/>
+          </a:prstGeom>
+        </p:spPr>
+        <p:txBody>
+          <a:bodyPr vert="horz" lIns="91440" tIns="45720" rIns="91440" bIns="45720" rtlCol="0">
+            <a:normAutofit/>
+          </a:bodyPr>
+          <a:lstStyle>
+            <a:lvl1pPr marL="228600" indent="-228600" algn="l" defTabSz="914400" rtl="0" eaLnBrk="1" latinLnBrk="0" hangingPunct="1">
+              <a:lnSpc>
+                <a:spcPct val="90000"/>
+              </a:lnSpc>
+              <a:spcBef>
+                <a:spcPts val="1000"/>
+              </a:spcBef>
+              <a:buFont typeface="Arial" panose="020B0604020202020204" pitchFamily="34" charset="0"/>
+              <a:buChar char="•"/>
+              <a:defRPr sz="2800" kern="1200">
+                <a:solidFill>
+                  <a:schemeClr val="tx1"/>
+                </a:solidFill>
+                <a:latin typeface="+mn-lt"/>
+                <a:ea typeface="+mn-ea"/>
+                <a:cs typeface="+mn-cs"/>
+              </a:defRPr>
+            </a:lvl1pPr>
+            <a:lvl2pPr marL="685800" indent="-228600" algn="l" defTabSz="914400" rtl="0" eaLnBrk="1" latinLnBrk="0" hangingPunct="1">
+              <a:lnSpc>
+                <a:spcPct val="90000"/>
+              </a:lnSpc>
+              <a:spcBef>
+                <a:spcPts val="500"/>
+              </a:spcBef>
+              <a:buFont typeface="Arial" panose="020B0604020202020204" pitchFamily="34" charset="0"/>
+              <a:buChar char="•"/>
+              <a:defRPr sz="2400" kern="1200">
+                <a:solidFill>
+                  <a:schemeClr val="tx1"/>
+                </a:solidFill>
+                <a:latin typeface="+mn-lt"/>
+                <a:ea typeface="+mn-ea"/>
+                <a:cs typeface="+mn-cs"/>
+              </a:defRPr>
+            </a:lvl2pPr>
+            <a:lvl3pPr marL="1143000" indent="-228600" algn="l" defTabSz="914400" rtl="0" eaLnBrk="1" latinLnBrk="0" hangingPunct="1">
+              <a:lnSpc>
+                <a:spcPct val="90000"/>
+              </a:lnSpc>
+              <a:spcBef>
+                <a:spcPts val="500"/>
+              </a:spcBef>
+              <a:buFont typeface="Arial" panose="020B0604020202020204" pitchFamily="34" charset="0"/>
+              <a:buChar char="•"/>
+              <a:defRPr sz="2000" kern="1200">
+                <a:solidFill>
+                  <a:schemeClr val="tx1"/>
+                </a:solidFill>
+                <a:latin typeface="+mn-lt"/>
+                <a:ea typeface="+mn-ea"/>
+                <a:cs typeface="+mn-cs"/>
+              </a:defRPr>
+            </a:lvl3pPr>
+            <a:lvl4pPr marL="1600200" indent="-228600" algn="l" defTabSz="914400" rtl="0" eaLnBrk="1" latinLnBrk="0" hangingPunct="1">
+              <a:lnSpc>
+                <a:spcPct val="90000"/>
+              </a:lnSpc>
+              <a:spcBef>
+                <a:spcPts val="500"/>
+              </a:spcBef>
+              <a:buFont typeface="Arial" panose="020B0604020202020204" pitchFamily="34" charset="0"/>
+              <a:buChar char="•"/>
+              <a:defRPr sz="1800" kern="1200">
+                <a:solidFill>
+                  <a:schemeClr val="tx1"/>
+                </a:solidFill>
+                <a:latin typeface="+mn-lt"/>
+                <a:ea typeface="+mn-ea"/>
+                <a:cs typeface="+mn-cs"/>
+              </a:defRPr>
+            </a:lvl4pPr>
+            <a:lvl5pPr marL="2057400" indent="-228600" algn="l" defTabSz="914400" rtl="0" eaLnBrk="1" latinLnBrk="0" hangingPunct="1">
+              <a:lnSpc>
+                <a:spcPct val="90000"/>
+              </a:lnSpc>
+              <a:spcBef>
+                <a:spcPts val="500"/>
+              </a:spcBef>
+              <a:buFont typeface="Arial" panose="020B0604020202020204" pitchFamily="34" charset="0"/>
+              <a:buChar char="•"/>
+              <a:defRPr sz="1800" kern="1200">
+                <a:solidFill>
+                  <a:schemeClr val="tx1"/>
+                </a:solidFill>
+                <a:latin typeface="+mn-lt"/>
+                <a:ea typeface="+mn-ea"/>
+                <a:cs typeface="+mn-cs"/>
+              </a:defRPr>
+            </a:lvl5pPr>
+            <a:lvl6pPr marL="2514600" indent="-228600" algn="l" defTabSz="914400" rtl="0" eaLnBrk="1" latinLnBrk="0" hangingPunct="1">
+              <a:lnSpc>
+                <a:spcPct val="90000"/>
+              </a:lnSpc>
+              <a:spcBef>
+                <a:spcPts val="500"/>
+              </a:spcBef>
+              <a:buFont typeface="Arial" panose="020B0604020202020204" pitchFamily="34" charset="0"/>
+              <a:buChar char="•"/>
+              <a:defRPr sz="1800" kern="1200">
+                <a:solidFill>
+                  <a:schemeClr val="tx1"/>
+                </a:solidFill>
+                <a:latin typeface="+mn-lt"/>
+                <a:ea typeface="+mn-ea"/>
+                <a:cs typeface="+mn-cs"/>
+              </a:defRPr>
+            </a:lvl6pPr>
+            <a:lvl7pPr marL="2971800" indent="-228600" algn="l" defTabSz="914400" rtl="0" eaLnBrk="1" latinLnBrk="0" hangingPunct="1">
+              <a:lnSpc>
+                <a:spcPct val="90000"/>
+              </a:lnSpc>
+              <a:spcBef>
+                <a:spcPts val="500"/>
+              </a:spcBef>
+              <a:buFont typeface="Arial" panose="020B0604020202020204" pitchFamily="34" charset="0"/>
+              <a:buChar char="•"/>
+              <a:defRPr sz="1800" kern="1200">
+                <a:solidFill>
+                  <a:schemeClr val="tx1"/>
+                </a:solidFill>
+                <a:latin typeface="+mn-lt"/>
+                <a:ea typeface="+mn-ea"/>
+                <a:cs typeface="+mn-cs"/>
+              </a:defRPr>
+            </a:lvl7pPr>
+            <a:lvl8pPr marL="3429000" indent="-228600" algn="l" defTabSz="914400" rtl="0" eaLnBrk="1" latinLnBrk="0" hangingPunct="1">
+              <a:lnSpc>
+                <a:spcPct val="90000"/>
+              </a:lnSpc>
+              <a:spcBef>
+                <a:spcPts val="500"/>
+              </a:spcBef>
+              <a:buFont typeface="Arial" panose="020B0604020202020204" pitchFamily="34" charset="0"/>
+              <a:buChar char="•"/>
+              <a:defRPr sz="1800" kern="1200">
+                <a:solidFill>
+                  <a:schemeClr val="tx1"/>
+                </a:solidFill>
+                <a:latin typeface="+mn-lt"/>
+                <a:ea typeface="+mn-ea"/>
+                <a:cs typeface="+mn-cs"/>
+              </a:defRPr>
+            </a:lvl8pPr>
+            <a:lvl9pPr marL="3886200" indent="-228600" algn="l" defTabSz="914400" rtl="0" eaLnBrk="1" latinLnBrk="0" hangingPunct="1">
+              <a:lnSpc>
+                <a:spcPct val="90000"/>
+              </a:lnSpc>
+              <a:spcBef>
+                <a:spcPts val="500"/>
+              </a:spcBef>
+              <a:buFont typeface="Arial" panose="020B0604020202020204" pitchFamily="34" charset="0"/>
+              <a:buChar char="•"/>
+              <a:defRPr sz="1800" kern="1200">
+                <a:solidFill>
+                  <a:schemeClr val="tx1"/>
+                </a:solidFill>
+                <a:latin typeface="+mn-lt"/>
+                <a:ea typeface="+mn-ea"/>
+                <a:cs typeface="+mn-cs"/>
+              </a:defRPr>
+            </a:lvl9pPr>
+          </a:lstStyle>
+          <a:p>
+            <a:r>
+              <a:rPr lang="pt-BR" dirty="0"/>
+              <a:t>A segunda fonte de dados é um perfil de usuário, gerado a partir do feedback do usuário sobre vários itens.</a:t>
+            </a:r>
+          </a:p>
+          <a:p>
+            <a:endParaRPr lang="pt-BR" dirty="0"/>
+          </a:p>
+        </p:txBody>
+      </p:sp>
     </p:spTree>
     <p:extLst>
       <p:ext uri="{BB962C8B-B14F-4D97-AF65-F5344CB8AC3E}">
@@ -4010,6 +4333,508 @@
 </file>
 
 <file path=ppt/slides/slide13.xml><?xml version="1.0" encoding="utf-8"?>
+<p:sld xmlns:a="http://schemas.openxmlformats.org/drawingml/2006/main" xmlns:r="http://schemas.openxmlformats.org/officeDocument/2006/relationships" xmlns:p="http://schemas.openxmlformats.org/presentationml/2006/main">
+  <p:cSld>
+    <p:spTree>
+      <p:nvGrpSpPr>
+        <p:cNvPr id="1" name=""/>
+        <p:cNvGrpSpPr/>
+        <p:nvPr/>
+      </p:nvGrpSpPr>
+      <p:grpSpPr>
+        <a:xfrm>
+          <a:off x="0" y="0"/>
+          <a:ext cx="0" cy="0"/>
+          <a:chOff x="0" y="0"/>
+          <a:chExt cx="0" cy="0"/>
+        </a:xfrm>
+      </p:grpSpPr>
+      <p:sp>
+        <p:nvSpPr>
+          <p:cNvPr id="2" name="Título 1">
+            <a:extLst>
+              <a:ext uri="{FF2B5EF4-FFF2-40B4-BE49-F238E27FC236}">
+                <a16:creationId xmlns:a16="http://schemas.microsoft.com/office/drawing/2014/main" id="{D2233771-3B0E-CA19-8202-FB6FCDDC5936}"/>
+              </a:ext>
+            </a:extLst>
+          </p:cNvPr>
+          <p:cNvSpPr>
+            <a:spLocks noGrp="1"/>
+          </p:cNvSpPr>
+          <p:nvPr>
+            <p:ph type="title"/>
+          </p:nvPr>
+        </p:nvSpPr>
+        <p:spPr/>
+        <p:txBody>
+          <a:bodyPr/>
+          <a:lstStyle/>
+          <a:p>
+            <a:pPr marL="857250" indent="-857250">
+              <a:buFont typeface="+mj-lt"/>
+              <a:buAutoNum type="romanUcPeriod" startAt="3"/>
+            </a:pPr>
+            <a:r>
+              <a:rPr lang="pt-BR" dirty="0"/>
+              <a:t>Ratings</a:t>
+            </a:r>
+          </a:p>
+        </p:txBody>
+      </p:sp>
+      <p:pic>
+        <p:nvPicPr>
+          <p:cNvPr id="5" name="Espaço Reservado para Conteúdo 4">
+            <a:extLst>
+              <a:ext uri="{FF2B5EF4-FFF2-40B4-BE49-F238E27FC236}">
+                <a16:creationId xmlns:a16="http://schemas.microsoft.com/office/drawing/2014/main" id="{796D1835-05F0-F3DC-8935-ADB41A87BACE}"/>
+              </a:ext>
+            </a:extLst>
+          </p:cNvPr>
+          <p:cNvPicPr>
+            <a:picLocks noGrp="1" noChangeAspect="1"/>
+          </p:cNvPicPr>
+          <p:nvPr>
+            <p:ph idx="1"/>
+          </p:nvPr>
+        </p:nvPicPr>
+        <p:blipFill>
+          <a:blip r:embed="rId2"/>
+          <a:stretch>
+            <a:fillRect/>
+          </a:stretch>
+        </p:blipFill>
+        <p:spPr>
+          <a:xfrm>
+            <a:off x="3191256" y="3106239"/>
+            <a:ext cx="4764802" cy="3094028"/>
+          </a:xfrm>
+        </p:spPr>
+      </p:pic>
+      <p:sp>
+        <p:nvSpPr>
+          <p:cNvPr id="6" name="Espaço Reservado para Conteúdo 2">
+            <a:extLst>
+              <a:ext uri="{FF2B5EF4-FFF2-40B4-BE49-F238E27FC236}">
+                <a16:creationId xmlns:a16="http://schemas.microsoft.com/office/drawing/2014/main" id="{FBE5C591-ED19-8B3F-6E13-65A583B35927}"/>
+              </a:ext>
+            </a:extLst>
+          </p:cNvPr>
+          <p:cNvSpPr txBox="1">
+            <a:spLocks/>
+          </p:cNvSpPr>
+          <p:nvPr/>
+        </p:nvSpPr>
+        <p:spPr>
+          <a:xfrm>
+            <a:off x="838200" y="1825625"/>
+            <a:ext cx="10515600" cy="964526"/>
+          </a:xfrm>
+          <a:prstGeom prst="rect">
+            <a:avLst/>
+          </a:prstGeom>
+        </p:spPr>
+        <p:txBody>
+          <a:bodyPr vert="horz" lIns="91440" tIns="45720" rIns="91440" bIns="45720" rtlCol="0">
+            <a:normAutofit/>
+          </a:bodyPr>
+          <a:lstStyle>
+            <a:lvl1pPr marL="228600" indent="-228600" algn="l" defTabSz="914400" rtl="0" eaLnBrk="1" latinLnBrk="0" hangingPunct="1">
+              <a:lnSpc>
+                <a:spcPct val="90000"/>
+              </a:lnSpc>
+              <a:spcBef>
+                <a:spcPts val="1000"/>
+              </a:spcBef>
+              <a:buFont typeface="Arial" panose="020B0604020202020204" pitchFamily="34" charset="0"/>
+              <a:buChar char="•"/>
+              <a:defRPr sz="2800" kern="1200">
+                <a:solidFill>
+                  <a:schemeClr val="tx1"/>
+                </a:solidFill>
+                <a:latin typeface="+mn-lt"/>
+                <a:ea typeface="+mn-ea"/>
+                <a:cs typeface="+mn-cs"/>
+              </a:defRPr>
+            </a:lvl1pPr>
+            <a:lvl2pPr marL="685800" indent="-228600" algn="l" defTabSz="914400" rtl="0" eaLnBrk="1" latinLnBrk="0" hangingPunct="1">
+              <a:lnSpc>
+                <a:spcPct val="90000"/>
+              </a:lnSpc>
+              <a:spcBef>
+                <a:spcPts val="500"/>
+              </a:spcBef>
+              <a:buFont typeface="Arial" panose="020B0604020202020204" pitchFamily="34" charset="0"/>
+              <a:buChar char="•"/>
+              <a:defRPr sz="2400" kern="1200">
+                <a:solidFill>
+                  <a:schemeClr val="tx1"/>
+                </a:solidFill>
+                <a:latin typeface="+mn-lt"/>
+                <a:ea typeface="+mn-ea"/>
+                <a:cs typeface="+mn-cs"/>
+              </a:defRPr>
+            </a:lvl2pPr>
+            <a:lvl3pPr marL="1143000" indent="-228600" algn="l" defTabSz="914400" rtl="0" eaLnBrk="1" latinLnBrk="0" hangingPunct="1">
+              <a:lnSpc>
+                <a:spcPct val="90000"/>
+              </a:lnSpc>
+              <a:spcBef>
+                <a:spcPts val="500"/>
+              </a:spcBef>
+              <a:buFont typeface="Arial" panose="020B0604020202020204" pitchFamily="34" charset="0"/>
+              <a:buChar char="•"/>
+              <a:defRPr sz="2000" kern="1200">
+                <a:solidFill>
+                  <a:schemeClr val="tx1"/>
+                </a:solidFill>
+                <a:latin typeface="+mn-lt"/>
+                <a:ea typeface="+mn-ea"/>
+                <a:cs typeface="+mn-cs"/>
+              </a:defRPr>
+            </a:lvl3pPr>
+            <a:lvl4pPr marL="1600200" indent="-228600" algn="l" defTabSz="914400" rtl="0" eaLnBrk="1" latinLnBrk="0" hangingPunct="1">
+              <a:lnSpc>
+                <a:spcPct val="90000"/>
+              </a:lnSpc>
+              <a:spcBef>
+                <a:spcPts val="500"/>
+              </a:spcBef>
+              <a:buFont typeface="Arial" panose="020B0604020202020204" pitchFamily="34" charset="0"/>
+              <a:buChar char="•"/>
+              <a:defRPr sz="1800" kern="1200">
+                <a:solidFill>
+                  <a:schemeClr val="tx1"/>
+                </a:solidFill>
+                <a:latin typeface="+mn-lt"/>
+                <a:ea typeface="+mn-ea"/>
+                <a:cs typeface="+mn-cs"/>
+              </a:defRPr>
+            </a:lvl4pPr>
+            <a:lvl5pPr marL="2057400" indent="-228600" algn="l" defTabSz="914400" rtl="0" eaLnBrk="1" latinLnBrk="0" hangingPunct="1">
+              <a:lnSpc>
+                <a:spcPct val="90000"/>
+              </a:lnSpc>
+              <a:spcBef>
+                <a:spcPts val="500"/>
+              </a:spcBef>
+              <a:buFont typeface="Arial" panose="020B0604020202020204" pitchFamily="34" charset="0"/>
+              <a:buChar char="•"/>
+              <a:defRPr sz="1800" kern="1200">
+                <a:solidFill>
+                  <a:schemeClr val="tx1"/>
+                </a:solidFill>
+                <a:latin typeface="+mn-lt"/>
+                <a:ea typeface="+mn-ea"/>
+                <a:cs typeface="+mn-cs"/>
+              </a:defRPr>
+            </a:lvl5pPr>
+            <a:lvl6pPr marL="2514600" indent="-228600" algn="l" defTabSz="914400" rtl="0" eaLnBrk="1" latinLnBrk="0" hangingPunct="1">
+              <a:lnSpc>
+                <a:spcPct val="90000"/>
+              </a:lnSpc>
+              <a:spcBef>
+                <a:spcPts val="500"/>
+              </a:spcBef>
+              <a:buFont typeface="Arial" panose="020B0604020202020204" pitchFamily="34" charset="0"/>
+              <a:buChar char="•"/>
+              <a:defRPr sz="1800" kern="1200">
+                <a:solidFill>
+                  <a:schemeClr val="tx1"/>
+                </a:solidFill>
+                <a:latin typeface="+mn-lt"/>
+                <a:ea typeface="+mn-ea"/>
+                <a:cs typeface="+mn-cs"/>
+              </a:defRPr>
+            </a:lvl6pPr>
+            <a:lvl7pPr marL="2971800" indent="-228600" algn="l" defTabSz="914400" rtl="0" eaLnBrk="1" latinLnBrk="0" hangingPunct="1">
+              <a:lnSpc>
+                <a:spcPct val="90000"/>
+              </a:lnSpc>
+              <a:spcBef>
+                <a:spcPts val="500"/>
+              </a:spcBef>
+              <a:buFont typeface="Arial" panose="020B0604020202020204" pitchFamily="34" charset="0"/>
+              <a:buChar char="•"/>
+              <a:defRPr sz="1800" kern="1200">
+                <a:solidFill>
+                  <a:schemeClr val="tx1"/>
+                </a:solidFill>
+                <a:latin typeface="+mn-lt"/>
+                <a:ea typeface="+mn-ea"/>
+                <a:cs typeface="+mn-cs"/>
+              </a:defRPr>
+            </a:lvl7pPr>
+            <a:lvl8pPr marL="3429000" indent="-228600" algn="l" defTabSz="914400" rtl="0" eaLnBrk="1" latinLnBrk="0" hangingPunct="1">
+              <a:lnSpc>
+                <a:spcPct val="90000"/>
+              </a:lnSpc>
+              <a:spcBef>
+                <a:spcPts val="500"/>
+              </a:spcBef>
+              <a:buFont typeface="Arial" panose="020B0604020202020204" pitchFamily="34" charset="0"/>
+              <a:buChar char="•"/>
+              <a:defRPr sz="1800" kern="1200">
+                <a:solidFill>
+                  <a:schemeClr val="tx1"/>
+                </a:solidFill>
+                <a:latin typeface="+mn-lt"/>
+                <a:ea typeface="+mn-ea"/>
+                <a:cs typeface="+mn-cs"/>
+              </a:defRPr>
+            </a:lvl8pPr>
+            <a:lvl9pPr marL="3886200" indent="-228600" algn="l" defTabSz="914400" rtl="0" eaLnBrk="1" latinLnBrk="0" hangingPunct="1">
+              <a:lnSpc>
+                <a:spcPct val="90000"/>
+              </a:lnSpc>
+              <a:spcBef>
+                <a:spcPts val="500"/>
+              </a:spcBef>
+              <a:buFont typeface="Arial" panose="020B0604020202020204" pitchFamily="34" charset="0"/>
+              <a:buChar char="•"/>
+              <a:defRPr sz="1800" kern="1200">
+                <a:solidFill>
+                  <a:schemeClr val="tx1"/>
+                </a:solidFill>
+                <a:latin typeface="+mn-lt"/>
+                <a:ea typeface="+mn-ea"/>
+                <a:cs typeface="+mn-cs"/>
+              </a:defRPr>
+            </a:lvl9pPr>
+          </a:lstStyle>
+          <a:p>
+            <a:pPr marL="0" indent="0">
+              <a:buNone/>
+            </a:pPr>
+            <a:endParaRPr lang="pt-BR" dirty="0"/>
+          </a:p>
+        </p:txBody>
+      </p:sp>
+      <p:sp>
+        <p:nvSpPr>
+          <p:cNvPr id="7" name="Espaço Reservado para Conteúdo 2">
+            <a:extLst>
+              <a:ext uri="{FF2B5EF4-FFF2-40B4-BE49-F238E27FC236}">
+                <a16:creationId xmlns:a16="http://schemas.microsoft.com/office/drawing/2014/main" id="{23788CFA-A9B1-5125-72CA-73A38972CA3B}"/>
+              </a:ext>
+            </a:extLst>
+          </p:cNvPr>
+          <p:cNvSpPr txBox="1">
+            <a:spLocks/>
+          </p:cNvSpPr>
+          <p:nvPr/>
+        </p:nvSpPr>
+        <p:spPr>
+          <a:xfrm>
+            <a:off x="838200" y="1674190"/>
+            <a:ext cx="10515600" cy="964526"/>
+          </a:xfrm>
+          <a:prstGeom prst="rect">
+            <a:avLst/>
+          </a:prstGeom>
+        </p:spPr>
+        <p:txBody>
+          <a:bodyPr vert="horz" lIns="91440" tIns="45720" rIns="91440" bIns="45720" rtlCol="0">
+            <a:normAutofit/>
+          </a:bodyPr>
+          <a:lstStyle>
+            <a:lvl1pPr marL="228600" indent="-228600" algn="l" defTabSz="914400" rtl="0" eaLnBrk="1" latinLnBrk="0" hangingPunct="1">
+              <a:lnSpc>
+                <a:spcPct val="90000"/>
+              </a:lnSpc>
+              <a:spcBef>
+                <a:spcPts val="1000"/>
+              </a:spcBef>
+              <a:buFont typeface="Arial" panose="020B0604020202020204" pitchFamily="34" charset="0"/>
+              <a:buChar char="•"/>
+              <a:defRPr sz="2800" kern="1200">
+                <a:solidFill>
+                  <a:schemeClr val="tx1"/>
+                </a:solidFill>
+                <a:latin typeface="+mn-lt"/>
+                <a:ea typeface="+mn-ea"/>
+                <a:cs typeface="+mn-cs"/>
+              </a:defRPr>
+            </a:lvl1pPr>
+            <a:lvl2pPr marL="685800" indent="-228600" algn="l" defTabSz="914400" rtl="0" eaLnBrk="1" latinLnBrk="0" hangingPunct="1">
+              <a:lnSpc>
+                <a:spcPct val="90000"/>
+              </a:lnSpc>
+              <a:spcBef>
+                <a:spcPts val="500"/>
+              </a:spcBef>
+              <a:buFont typeface="Arial" panose="020B0604020202020204" pitchFamily="34" charset="0"/>
+              <a:buChar char="•"/>
+              <a:defRPr sz="2400" kern="1200">
+                <a:solidFill>
+                  <a:schemeClr val="tx1"/>
+                </a:solidFill>
+                <a:latin typeface="+mn-lt"/>
+                <a:ea typeface="+mn-ea"/>
+                <a:cs typeface="+mn-cs"/>
+              </a:defRPr>
+            </a:lvl2pPr>
+            <a:lvl3pPr marL="1143000" indent="-228600" algn="l" defTabSz="914400" rtl="0" eaLnBrk="1" latinLnBrk="0" hangingPunct="1">
+              <a:lnSpc>
+                <a:spcPct val="90000"/>
+              </a:lnSpc>
+              <a:spcBef>
+                <a:spcPts val="500"/>
+              </a:spcBef>
+              <a:buFont typeface="Arial" panose="020B0604020202020204" pitchFamily="34" charset="0"/>
+              <a:buChar char="•"/>
+              <a:defRPr sz="2000" kern="1200">
+                <a:solidFill>
+                  <a:schemeClr val="tx1"/>
+                </a:solidFill>
+                <a:latin typeface="+mn-lt"/>
+                <a:ea typeface="+mn-ea"/>
+                <a:cs typeface="+mn-cs"/>
+              </a:defRPr>
+            </a:lvl3pPr>
+            <a:lvl4pPr marL="1600200" indent="-228600" algn="l" defTabSz="914400" rtl="0" eaLnBrk="1" latinLnBrk="0" hangingPunct="1">
+              <a:lnSpc>
+                <a:spcPct val="90000"/>
+              </a:lnSpc>
+              <a:spcBef>
+                <a:spcPts val="500"/>
+              </a:spcBef>
+              <a:buFont typeface="Arial" panose="020B0604020202020204" pitchFamily="34" charset="0"/>
+              <a:buChar char="•"/>
+              <a:defRPr sz="1800" kern="1200">
+                <a:solidFill>
+                  <a:schemeClr val="tx1"/>
+                </a:solidFill>
+                <a:latin typeface="+mn-lt"/>
+                <a:ea typeface="+mn-ea"/>
+                <a:cs typeface="+mn-cs"/>
+              </a:defRPr>
+            </a:lvl4pPr>
+            <a:lvl5pPr marL="2057400" indent="-228600" algn="l" defTabSz="914400" rtl="0" eaLnBrk="1" latinLnBrk="0" hangingPunct="1">
+              <a:lnSpc>
+                <a:spcPct val="90000"/>
+              </a:lnSpc>
+              <a:spcBef>
+                <a:spcPts val="500"/>
+              </a:spcBef>
+              <a:buFont typeface="Arial" panose="020B0604020202020204" pitchFamily="34" charset="0"/>
+              <a:buChar char="•"/>
+              <a:defRPr sz="1800" kern="1200">
+                <a:solidFill>
+                  <a:schemeClr val="tx1"/>
+                </a:solidFill>
+                <a:latin typeface="+mn-lt"/>
+                <a:ea typeface="+mn-ea"/>
+                <a:cs typeface="+mn-cs"/>
+              </a:defRPr>
+            </a:lvl5pPr>
+            <a:lvl6pPr marL="2514600" indent="-228600" algn="l" defTabSz="914400" rtl="0" eaLnBrk="1" latinLnBrk="0" hangingPunct="1">
+              <a:lnSpc>
+                <a:spcPct val="90000"/>
+              </a:lnSpc>
+              <a:spcBef>
+                <a:spcPts val="500"/>
+              </a:spcBef>
+              <a:buFont typeface="Arial" panose="020B0604020202020204" pitchFamily="34" charset="0"/>
+              <a:buChar char="•"/>
+              <a:defRPr sz="1800" kern="1200">
+                <a:solidFill>
+                  <a:schemeClr val="tx1"/>
+                </a:solidFill>
+                <a:latin typeface="+mn-lt"/>
+                <a:ea typeface="+mn-ea"/>
+                <a:cs typeface="+mn-cs"/>
+              </a:defRPr>
+            </a:lvl6pPr>
+            <a:lvl7pPr marL="2971800" indent="-228600" algn="l" defTabSz="914400" rtl="0" eaLnBrk="1" latinLnBrk="0" hangingPunct="1">
+              <a:lnSpc>
+                <a:spcPct val="90000"/>
+              </a:lnSpc>
+              <a:spcBef>
+                <a:spcPts val="500"/>
+              </a:spcBef>
+              <a:buFont typeface="Arial" panose="020B0604020202020204" pitchFamily="34" charset="0"/>
+              <a:buChar char="•"/>
+              <a:defRPr sz="1800" kern="1200">
+                <a:solidFill>
+                  <a:schemeClr val="tx1"/>
+                </a:solidFill>
+                <a:latin typeface="+mn-lt"/>
+                <a:ea typeface="+mn-ea"/>
+                <a:cs typeface="+mn-cs"/>
+              </a:defRPr>
+            </a:lvl7pPr>
+            <a:lvl8pPr marL="3429000" indent="-228600" algn="l" defTabSz="914400" rtl="0" eaLnBrk="1" latinLnBrk="0" hangingPunct="1">
+              <a:lnSpc>
+                <a:spcPct val="90000"/>
+              </a:lnSpc>
+              <a:spcBef>
+                <a:spcPts val="500"/>
+              </a:spcBef>
+              <a:buFont typeface="Arial" panose="020B0604020202020204" pitchFamily="34" charset="0"/>
+              <a:buChar char="•"/>
+              <a:defRPr sz="1800" kern="1200">
+                <a:solidFill>
+                  <a:schemeClr val="tx1"/>
+                </a:solidFill>
+                <a:latin typeface="+mn-lt"/>
+                <a:ea typeface="+mn-ea"/>
+                <a:cs typeface="+mn-cs"/>
+              </a:defRPr>
+            </a:lvl8pPr>
+            <a:lvl9pPr marL="3886200" indent="-228600" algn="l" defTabSz="914400" rtl="0" eaLnBrk="1" latinLnBrk="0" hangingPunct="1">
+              <a:lnSpc>
+                <a:spcPct val="90000"/>
+              </a:lnSpc>
+              <a:spcBef>
+                <a:spcPts val="500"/>
+              </a:spcBef>
+              <a:buFont typeface="Arial" panose="020B0604020202020204" pitchFamily="34" charset="0"/>
+              <a:buChar char="•"/>
+              <a:defRPr sz="1800" kern="1200">
+                <a:solidFill>
+                  <a:schemeClr val="tx1"/>
+                </a:solidFill>
+                <a:latin typeface="+mn-lt"/>
+                <a:ea typeface="+mn-ea"/>
+                <a:cs typeface="+mn-cs"/>
+              </a:defRPr>
+            </a:lvl9pPr>
+          </a:lstStyle>
+          <a:p>
+            <a:pPr marL="0" indent="0">
+              <a:buNone/>
+            </a:pPr>
+            <a:r>
+              <a:rPr lang="pt-BR" dirty="0"/>
+              <a:t>Os dados de rating foram criados na ferramenta online de dados fictícios </a:t>
+            </a:r>
+            <a:r>
+              <a:rPr lang="pt-BR" dirty="0">
+                <a:hlinkClick r:id="rId3"/>
+              </a:rPr>
+              <a:t>Mockaroo.com</a:t>
+            </a:r>
+            <a:r>
+              <a:rPr lang="pt-BR" dirty="0"/>
+              <a:t>.</a:t>
+            </a:r>
+          </a:p>
+        </p:txBody>
+      </p:sp>
+    </p:spTree>
+    <p:extLst>
+      <p:ext uri="{BB962C8B-B14F-4D97-AF65-F5344CB8AC3E}">
+        <p14:creationId xmlns:p14="http://schemas.microsoft.com/office/powerpoint/2010/main" val="1619285014"/>
+      </p:ext>
+    </p:extLst>
+  </p:cSld>
+  <p:clrMapOvr>
+    <a:masterClrMapping/>
+  </p:clrMapOvr>
+</p:sld>
+</file>
+
+<file path=ppt/slides/slide14.xml><?xml version="1.0" encoding="utf-8"?>
 <p:sld xmlns:a="http://schemas.openxmlformats.org/drawingml/2006/main" xmlns:r="http://schemas.openxmlformats.org/officeDocument/2006/relationships" xmlns:p="http://schemas.openxmlformats.org/presentationml/2006/main">
   <p:cSld>
     <p:spTree>
@@ -4144,143 +4969,6 @@
 </p:sld>
 </file>
 
-<file path=ppt/slides/slide14.xml><?xml version="1.0" encoding="utf-8"?>
-<p:sld xmlns:a="http://schemas.openxmlformats.org/drawingml/2006/main" xmlns:r="http://schemas.openxmlformats.org/officeDocument/2006/relationships" xmlns:p="http://schemas.openxmlformats.org/presentationml/2006/main">
-  <p:cSld>
-    <p:spTree>
-      <p:nvGrpSpPr>
-        <p:cNvPr id="1" name=""/>
-        <p:cNvGrpSpPr/>
-        <p:nvPr/>
-      </p:nvGrpSpPr>
-      <p:grpSpPr>
-        <a:xfrm>
-          <a:off x="0" y="0"/>
-          <a:ext cx="0" cy="0"/>
-          <a:chOff x="0" y="0"/>
-          <a:chExt cx="0" cy="0"/>
-        </a:xfrm>
-      </p:grpSpPr>
-      <p:sp>
-        <p:nvSpPr>
-          <p:cNvPr id="2" name="Título 1">
-            <a:extLst>
-              <a:ext uri="{FF2B5EF4-FFF2-40B4-BE49-F238E27FC236}">
-                <a16:creationId xmlns:a16="http://schemas.microsoft.com/office/drawing/2014/main" id="{403AADC2-DFC2-05FC-6D98-F3FA65DC30DF}"/>
-              </a:ext>
-            </a:extLst>
-          </p:cNvPr>
-          <p:cNvSpPr>
-            <a:spLocks noGrp="1"/>
-          </p:cNvSpPr>
-          <p:nvPr>
-            <p:ph type="title"/>
-          </p:nvPr>
-        </p:nvSpPr>
-        <p:spPr/>
-        <p:txBody>
-          <a:bodyPr/>
-          <a:lstStyle/>
-          <a:p>
-            <a:pPr marL="857250" indent="-857250">
-              <a:buFont typeface="+mj-lt"/>
-              <a:buAutoNum type="romanUcPeriod" startAt="3"/>
-            </a:pPr>
-            <a:r>
-              <a:rPr lang="pt-BR" dirty="0"/>
-              <a:t>Abordagem</a:t>
-            </a:r>
-          </a:p>
-        </p:txBody>
-      </p:sp>
-      <p:sp>
-        <p:nvSpPr>
-          <p:cNvPr id="3" name="Espaço Reservado para Conteúdo 2">
-            <a:extLst>
-              <a:ext uri="{FF2B5EF4-FFF2-40B4-BE49-F238E27FC236}">
-                <a16:creationId xmlns:a16="http://schemas.microsoft.com/office/drawing/2014/main" id="{099C1024-DCCF-D603-7F5A-91F215F63D24}"/>
-              </a:ext>
-            </a:extLst>
-          </p:cNvPr>
-          <p:cNvSpPr>
-            <a:spLocks noGrp="1"/>
-          </p:cNvSpPr>
-          <p:nvPr>
-            <p:ph idx="1"/>
-          </p:nvPr>
-        </p:nvSpPr>
-        <p:spPr/>
-        <p:txBody>
-          <a:bodyPr>
-            <a:normAutofit/>
-          </a:bodyPr>
-          <a:lstStyle/>
-          <a:p>
-            <a:pPr marL="514350" indent="-514350">
-              <a:buFont typeface="+mj-lt"/>
-              <a:buAutoNum type="arabicPeriod"/>
-            </a:pPr>
-            <a:r>
-              <a:rPr lang="pt-BR" dirty="0"/>
-              <a:t>Para usuários antigos, com cidades com ratings:</a:t>
-            </a:r>
-            <a:br>
-              <a:rPr lang="pt-BR" dirty="0"/>
-            </a:br>
-            <a:r>
-              <a:rPr lang="pt-BR" dirty="0"/>
-              <a:t>Foi usado a métrica padrão de distância euclidiana, das cidades avaliadas contra as demais cidades do banco de dados.</a:t>
-            </a:r>
-          </a:p>
-          <a:p>
-            <a:pPr marL="514350" indent="-514350">
-              <a:buFont typeface="+mj-lt"/>
-              <a:buAutoNum type="arabicPeriod"/>
-            </a:pPr>
-            <a:r>
-              <a:rPr lang="pt-BR" dirty="0"/>
-              <a:t>Para usuários novos, sem cidades com ratings:</a:t>
-            </a:r>
-            <a:br>
-              <a:rPr lang="pt-BR" dirty="0"/>
-            </a:br>
-            <a:r>
-              <a:rPr lang="pt-BR" dirty="0"/>
-              <a:t>Foi usado a média de ratings das cidades e sugerido as cidades com as maiores médias.</a:t>
-            </a:r>
-          </a:p>
-          <a:p>
-            <a:pPr marL="514350" indent="-514350">
-              <a:buFont typeface="+mj-lt"/>
-              <a:buAutoNum type="arabicPeriod"/>
-            </a:pPr>
-            <a:r>
-              <a:rPr lang="pt-BR" dirty="0"/>
-              <a:t>Para sugerir uma cidade nova, a um usuário antigo:</a:t>
-            </a:r>
-            <a:br>
-              <a:rPr lang="pt-BR" dirty="0"/>
-            </a:br>
-            <a:r>
-              <a:rPr lang="pt-BR" dirty="0"/>
-              <a:t>Foi usado a similaridade do conteúdo da nova cidade contra as cidades já avaliadas pelo usuário.</a:t>
-            </a:r>
-          </a:p>
-        </p:txBody>
-      </p:sp>
-    </p:spTree>
-    <p:extLst>
-      <p:ext uri="{BB962C8B-B14F-4D97-AF65-F5344CB8AC3E}">
-        <p14:creationId xmlns:p14="http://schemas.microsoft.com/office/powerpoint/2010/main" val="2861858423"/>
-      </p:ext>
-    </p:extLst>
-  </p:cSld>
-  <p:clrMapOvr>
-    <a:masterClrMapping/>
-  </p:clrMapOvr>
-</p:sld>
-</file>
-
 <file path=ppt/slides/slide15.xml><?xml version="1.0" encoding="utf-8"?>
 <p:sld xmlns:a="http://schemas.openxmlformats.org/drawingml/2006/main" xmlns:r="http://schemas.openxmlformats.org/officeDocument/2006/relationships" xmlns:p="http://schemas.openxmlformats.org/presentationml/2006/main">
   <p:cSld>
@@ -4303,6 +4991,143 @@
           <p:cNvPr id="2" name="Título 1">
             <a:extLst>
               <a:ext uri="{FF2B5EF4-FFF2-40B4-BE49-F238E27FC236}">
+                <a16:creationId xmlns:a16="http://schemas.microsoft.com/office/drawing/2014/main" id="{403AADC2-DFC2-05FC-6D98-F3FA65DC30DF}"/>
+              </a:ext>
+            </a:extLst>
+          </p:cNvPr>
+          <p:cNvSpPr>
+            <a:spLocks noGrp="1"/>
+          </p:cNvSpPr>
+          <p:nvPr>
+            <p:ph type="title"/>
+          </p:nvPr>
+        </p:nvSpPr>
+        <p:spPr/>
+        <p:txBody>
+          <a:bodyPr/>
+          <a:lstStyle/>
+          <a:p>
+            <a:pPr marL="857250" indent="-857250">
+              <a:buFont typeface="+mj-lt"/>
+              <a:buAutoNum type="romanUcPeriod" startAt="3"/>
+            </a:pPr>
+            <a:r>
+              <a:rPr lang="pt-BR" dirty="0"/>
+              <a:t>Abordagem</a:t>
+            </a:r>
+          </a:p>
+        </p:txBody>
+      </p:sp>
+      <p:sp>
+        <p:nvSpPr>
+          <p:cNvPr id="3" name="Espaço Reservado para Conteúdo 2">
+            <a:extLst>
+              <a:ext uri="{FF2B5EF4-FFF2-40B4-BE49-F238E27FC236}">
+                <a16:creationId xmlns:a16="http://schemas.microsoft.com/office/drawing/2014/main" id="{099C1024-DCCF-D603-7F5A-91F215F63D24}"/>
+              </a:ext>
+            </a:extLst>
+          </p:cNvPr>
+          <p:cNvSpPr>
+            <a:spLocks noGrp="1"/>
+          </p:cNvSpPr>
+          <p:nvPr>
+            <p:ph idx="1"/>
+          </p:nvPr>
+        </p:nvSpPr>
+        <p:spPr/>
+        <p:txBody>
+          <a:bodyPr>
+            <a:normAutofit/>
+          </a:bodyPr>
+          <a:lstStyle/>
+          <a:p>
+            <a:pPr marL="514350" indent="-514350">
+              <a:buFont typeface="+mj-lt"/>
+              <a:buAutoNum type="arabicPeriod"/>
+            </a:pPr>
+            <a:r>
+              <a:rPr lang="pt-BR" dirty="0"/>
+              <a:t>Para usuários antigos, com cidades com ratings:</a:t>
+            </a:r>
+            <a:br>
+              <a:rPr lang="pt-BR" dirty="0"/>
+            </a:br>
+            <a:r>
+              <a:rPr lang="pt-BR" dirty="0"/>
+              <a:t>Foi usado a métrica padrão de distância euclidiana, das cidades avaliadas contra as demais cidades do banco de dados.</a:t>
+            </a:r>
+          </a:p>
+          <a:p>
+            <a:pPr marL="514350" indent="-514350">
+              <a:buFont typeface="+mj-lt"/>
+              <a:buAutoNum type="arabicPeriod"/>
+            </a:pPr>
+            <a:r>
+              <a:rPr lang="pt-BR" dirty="0"/>
+              <a:t>Para usuários novos, sem cidades com ratings:</a:t>
+            </a:r>
+            <a:br>
+              <a:rPr lang="pt-BR" dirty="0"/>
+            </a:br>
+            <a:r>
+              <a:rPr lang="pt-BR" dirty="0"/>
+              <a:t>Foi usado a média de ratings das cidades e sugerido as cidades com as maiores médias.</a:t>
+            </a:r>
+          </a:p>
+          <a:p>
+            <a:pPr marL="514350" indent="-514350">
+              <a:buFont typeface="+mj-lt"/>
+              <a:buAutoNum type="arabicPeriod"/>
+            </a:pPr>
+            <a:r>
+              <a:rPr lang="pt-BR" dirty="0"/>
+              <a:t>Para sugerir uma cidade nova, a um usuário antigo:</a:t>
+            </a:r>
+            <a:br>
+              <a:rPr lang="pt-BR" dirty="0"/>
+            </a:br>
+            <a:r>
+              <a:rPr lang="pt-BR" dirty="0"/>
+              <a:t>Foi usado a similaridade do conteúdo da nova cidade contra as cidades já avaliadas pelo usuário.</a:t>
+            </a:r>
+          </a:p>
+        </p:txBody>
+      </p:sp>
+    </p:spTree>
+    <p:extLst>
+      <p:ext uri="{BB962C8B-B14F-4D97-AF65-F5344CB8AC3E}">
+        <p14:creationId xmlns:p14="http://schemas.microsoft.com/office/powerpoint/2010/main" val="2861858423"/>
+      </p:ext>
+    </p:extLst>
+  </p:cSld>
+  <p:clrMapOvr>
+    <a:masterClrMapping/>
+  </p:clrMapOvr>
+</p:sld>
+</file>
+
+<file path=ppt/slides/slide16.xml><?xml version="1.0" encoding="utf-8"?>
+<p:sld xmlns:a="http://schemas.openxmlformats.org/drawingml/2006/main" xmlns:r="http://schemas.openxmlformats.org/officeDocument/2006/relationships" xmlns:p="http://schemas.openxmlformats.org/presentationml/2006/main">
+  <p:cSld>
+    <p:spTree>
+      <p:nvGrpSpPr>
+        <p:cNvPr id="1" name=""/>
+        <p:cNvGrpSpPr/>
+        <p:nvPr/>
+      </p:nvGrpSpPr>
+      <p:grpSpPr>
+        <a:xfrm>
+          <a:off x="0" y="0"/>
+          <a:ext cx="0" cy="0"/>
+          <a:chOff x="0" y="0"/>
+          <a:chExt cx="0" cy="0"/>
+        </a:xfrm>
+      </p:grpSpPr>
+      <p:sp>
+        <p:nvSpPr>
+          <p:cNvPr id="2" name="Título 1">
+            <a:extLst>
+              <a:ext uri="{FF2B5EF4-FFF2-40B4-BE49-F238E27FC236}">
                 <a16:creationId xmlns:a16="http://schemas.microsoft.com/office/drawing/2014/main" id="{3B703463-D691-0243-0468-FA11901B34BB}"/>
               </a:ext>
             </a:extLst>
@@ -4351,10 +5176,49 @@
           <a:bodyPr/>
           <a:lstStyle/>
           <a:p>
-            <a:endParaRPr lang="pt-BR" dirty="0"/>
-          </a:p>
-        </p:txBody>
-      </p:sp>
+            <a:r>
+              <a:rPr lang="pt-BR" dirty="0"/>
+              <a:t>Município Hulha Negra é uma cidade nova na base de ratings, que conhecemos suas características de PC1, PC2, PC3 e PC4.</a:t>
+            </a:r>
+          </a:p>
+          <a:p>
+            <a:r>
+              <a:rPr lang="pt-BR" dirty="0"/>
+              <a:t>Angelita é uma usuária nova na base de ratings, não conhecemos suas preferências.</a:t>
+            </a:r>
+          </a:p>
+        </p:txBody>
+      </p:sp>
+      <p:pic>
+        <p:nvPicPr>
+          <p:cNvPr id="5" name="Imagem 4">
+            <a:extLst>
+              <a:ext uri="{FF2B5EF4-FFF2-40B4-BE49-F238E27FC236}">
+                <a16:creationId xmlns:a16="http://schemas.microsoft.com/office/drawing/2014/main" id="{9688B61E-EC5D-1BAE-183C-E0D065BDA8B9}"/>
+              </a:ext>
+            </a:extLst>
+          </p:cNvPr>
+          <p:cNvPicPr>
+            <a:picLocks noChangeAspect="1"/>
+          </p:cNvPicPr>
+          <p:nvPr/>
+        </p:nvPicPr>
+        <p:blipFill>
+          <a:blip r:embed="rId2"/>
+          <a:stretch>
+            <a:fillRect/>
+          </a:stretch>
+        </p:blipFill>
+        <p:spPr>
+          <a:xfrm>
+            <a:off x="972312" y="3653198"/>
+            <a:ext cx="10381488" cy="1317577"/>
+          </a:xfrm>
+          <a:prstGeom prst="rect">
+            <a:avLst/>
+          </a:prstGeom>
+        </p:spPr>
+      </p:pic>
     </p:spTree>
     <p:extLst>
       <p:ext uri="{BB962C8B-B14F-4D97-AF65-F5344CB8AC3E}">
@@ -4368,7 +5232,7 @@
 </p:sld>
 </file>
 
-<file path=ppt/slides/slide16.xml><?xml version="1.0" encoding="utf-8"?>
+<file path=ppt/slides/slide17.xml><?xml version="1.0" encoding="utf-8"?>
 <p:sld xmlns:a="http://schemas.openxmlformats.org/drawingml/2006/main" xmlns:r="http://schemas.openxmlformats.org/officeDocument/2006/relationships" xmlns:p="http://schemas.openxmlformats.org/presentationml/2006/main">
   <p:cSld>
     <p:spTree>
